--- a/classes/prog2015/Lab9.pptx
+++ b/classes/prog2015/Lab9.pptx
@@ -239,6 +239,7 @@
           <a:p>
             <a:fld id="{1573F1DA-1E21-45C8-BE71-2694A90120DC}" type="datetimeFigureOut">
               <a:rPr lang="en-US" smtClean="0"/>
+              <a:pPr/>
               <a:t>11/17/2015</a:t>
             </a:fld>
             <a:endParaRPr lang="en-US"/>
@@ -281,6 +282,7 @@
           <a:p>
             <a:fld id="{73ED6996-7245-409B-9562-B94B8F273996}" type="slidenum">
               <a:rPr lang="en-US" smtClean="0"/>
+              <a:pPr/>
               <a:t>‹#›</a:t>
             </a:fld>
             <a:endParaRPr lang="en-US"/>
@@ -290,7 +292,7 @@
     </p:spTree>
     <p:extLst>
       <p:ext uri="{BB962C8B-B14F-4D97-AF65-F5344CB8AC3E}">
-        <p14:creationId xmlns:p14="http://schemas.microsoft.com/office/powerpoint/2010/main" val="4235941746"/>
+        <p14:creationId xmlns:p14="http://schemas.microsoft.com/office/powerpoint/2010/main" xmlns="" val="4235941746"/>
       </p:ext>
     </p:extLst>
   </p:cSld>
@@ -409,6 +411,7 @@
           <a:p>
             <a:fld id="{1573F1DA-1E21-45C8-BE71-2694A90120DC}" type="datetimeFigureOut">
               <a:rPr lang="en-US" smtClean="0"/>
+              <a:pPr/>
               <a:t>11/17/2015</a:t>
             </a:fld>
             <a:endParaRPr lang="en-US"/>
@@ -451,6 +454,7 @@
           <a:p>
             <a:fld id="{73ED6996-7245-409B-9562-B94B8F273996}" type="slidenum">
               <a:rPr lang="en-US" smtClean="0"/>
+              <a:pPr/>
               <a:t>‹#›</a:t>
             </a:fld>
             <a:endParaRPr lang="en-US"/>
@@ -460,7 +464,7 @@
     </p:spTree>
     <p:extLst>
       <p:ext uri="{BB962C8B-B14F-4D97-AF65-F5344CB8AC3E}">
-        <p14:creationId xmlns:p14="http://schemas.microsoft.com/office/powerpoint/2010/main" val="4045504008"/>
+        <p14:creationId xmlns:p14="http://schemas.microsoft.com/office/powerpoint/2010/main" xmlns="" val="4045504008"/>
       </p:ext>
     </p:extLst>
   </p:cSld>
@@ -589,6 +593,7 @@
           <a:p>
             <a:fld id="{1573F1DA-1E21-45C8-BE71-2694A90120DC}" type="datetimeFigureOut">
               <a:rPr lang="en-US" smtClean="0"/>
+              <a:pPr/>
               <a:t>11/17/2015</a:t>
             </a:fld>
             <a:endParaRPr lang="en-US"/>
@@ -631,6 +636,7 @@
           <a:p>
             <a:fld id="{73ED6996-7245-409B-9562-B94B8F273996}" type="slidenum">
               <a:rPr lang="en-US" smtClean="0"/>
+              <a:pPr/>
               <a:t>‹#›</a:t>
             </a:fld>
             <a:endParaRPr lang="en-US"/>
@@ -640,7 +646,7 @@
     </p:spTree>
     <p:extLst>
       <p:ext uri="{BB962C8B-B14F-4D97-AF65-F5344CB8AC3E}">
-        <p14:creationId xmlns:p14="http://schemas.microsoft.com/office/powerpoint/2010/main" val="636622302"/>
+        <p14:creationId xmlns:p14="http://schemas.microsoft.com/office/powerpoint/2010/main" xmlns="" val="636622302"/>
       </p:ext>
     </p:extLst>
   </p:cSld>
@@ -759,6 +765,7 @@
           <a:p>
             <a:fld id="{1573F1DA-1E21-45C8-BE71-2694A90120DC}" type="datetimeFigureOut">
               <a:rPr lang="en-US" smtClean="0"/>
+              <a:pPr/>
               <a:t>11/17/2015</a:t>
             </a:fld>
             <a:endParaRPr lang="en-US"/>
@@ -801,6 +808,7 @@
           <a:p>
             <a:fld id="{73ED6996-7245-409B-9562-B94B8F273996}" type="slidenum">
               <a:rPr lang="en-US" smtClean="0"/>
+              <a:pPr/>
               <a:t>‹#›</a:t>
             </a:fld>
             <a:endParaRPr lang="en-US"/>
@@ -810,7 +818,7 @@
     </p:spTree>
     <p:extLst>
       <p:ext uri="{BB962C8B-B14F-4D97-AF65-F5344CB8AC3E}">
-        <p14:creationId xmlns:p14="http://schemas.microsoft.com/office/powerpoint/2010/main" val="1074916081"/>
+        <p14:creationId xmlns:p14="http://schemas.microsoft.com/office/powerpoint/2010/main" xmlns="" val="1074916081"/>
       </p:ext>
     </p:extLst>
   </p:cSld>
@@ -1005,6 +1013,7 @@
           <a:p>
             <a:fld id="{1573F1DA-1E21-45C8-BE71-2694A90120DC}" type="datetimeFigureOut">
               <a:rPr lang="en-US" smtClean="0"/>
+              <a:pPr/>
               <a:t>11/17/2015</a:t>
             </a:fld>
             <a:endParaRPr lang="en-US"/>
@@ -1047,6 +1056,7 @@
           <a:p>
             <a:fld id="{73ED6996-7245-409B-9562-B94B8F273996}" type="slidenum">
               <a:rPr lang="en-US" smtClean="0"/>
+              <a:pPr/>
               <a:t>‹#›</a:t>
             </a:fld>
             <a:endParaRPr lang="en-US"/>
@@ -1056,7 +1066,7 @@
     </p:spTree>
     <p:extLst>
       <p:ext uri="{BB962C8B-B14F-4D97-AF65-F5344CB8AC3E}">
-        <p14:creationId xmlns:p14="http://schemas.microsoft.com/office/powerpoint/2010/main" val="4018019339"/>
+        <p14:creationId xmlns:p14="http://schemas.microsoft.com/office/powerpoint/2010/main" xmlns="" val="4018019339"/>
       </p:ext>
     </p:extLst>
   </p:cSld>
@@ -1237,6 +1247,7 @@
           <a:p>
             <a:fld id="{1573F1DA-1E21-45C8-BE71-2694A90120DC}" type="datetimeFigureOut">
               <a:rPr lang="en-US" smtClean="0"/>
+              <a:pPr/>
               <a:t>11/17/2015</a:t>
             </a:fld>
             <a:endParaRPr lang="en-US"/>
@@ -1279,6 +1290,7 @@
           <a:p>
             <a:fld id="{73ED6996-7245-409B-9562-B94B8F273996}" type="slidenum">
               <a:rPr lang="en-US" smtClean="0"/>
+              <a:pPr/>
               <a:t>‹#›</a:t>
             </a:fld>
             <a:endParaRPr lang="en-US"/>
@@ -1288,7 +1300,7 @@
     </p:spTree>
     <p:extLst>
       <p:ext uri="{BB962C8B-B14F-4D97-AF65-F5344CB8AC3E}">
-        <p14:creationId xmlns:p14="http://schemas.microsoft.com/office/powerpoint/2010/main" val="1330790397"/>
+        <p14:creationId xmlns:p14="http://schemas.microsoft.com/office/powerpoint/2010/main" xmlns="" val="1330790397"/>
       </p:ext>
     </p:extLst>
   </p:cSld>
@@ -1604,6 +1616,7 @@
           <a:p>
             <a:fld id="{1573F1DA-1E21-45C8-BE71-2694A90120DC}" type="datetimeFigureOut">
               <a:rPr lang="en-US" smtClean="0"/>
+              <a:pPr/>
               <a:t>11/17/2015</a:t>
             </a:fld>
             <a:endParaRPr lang="en-US"/>
@@ -1646,6 +1659,7 @@
           <a:p>
             <a:fld id="{73ED6996-7245-409B-9562-B94B8F273996}" type="slidenum">
               <a:rPr lang="en-US" smtClean="0"/>
+              <a:pPr/>
               <a:t>‹#›</a:t>
             </a:fld>
             <a:endParaRPr lang="en-US"/>
@@ -1655,7 +1669,7 @@
     </p:spTree>
     <p:extLst>
       <p:ext uri="{BB962C8B-B14F-4D97-AF65-F5344CB8AC3E}">
-        <p14:creationId xmlns:p14="http://schemas.microsoft.com/office/powerpoint/2010/main" val="2588813993"/>
+        <p14:creationId xmlns:p14="http://schemas.microsoft.com/office/powerpoint/2010/main" xmlns="" val="2588813993"/>
       </p:ext>
     </p:extLst>
   </p:cSld>
@@ -1722,6 +1736,7 @@
           <a:p>
             <a:fld id="{1573F1DA-1E21-45C8-BE71-2694A90120DC}" type="datetimeFigureOut">
               <a:rPr lang="en-US" smtClean="0"/>
+              <a:pPr/>
               <a:t>11/17/2015</a:t>
             </a:fld>
             <a:endParaRPr lang="en-US"/>
@@ -1764,6 +1779,7 @@
           <a:p>
             <a:fld id="{73ED6996-7245-409B-9562-B94B8F273996}" type="slidenum">
               <a:rPr lang="en-US" smtClean="0"/>
+              <a:pPr/>
               <a:t>‹#›</a:t>
             </a:fld>
             <a:endParaRPr lang="en-US"/>
@@ -1773,7 +1789,7 @@
     </p:spTree>
     <p:extLst>
       <p:ext uri="{BB962C8B-B14F-4D97-AF65-F5344CB8AC3E}">
-        <p14:creationId xmlns:p14="http://schemas.microsoft.com/office/powerpoint/2010/main" val="1999050465"/>
+        <p14:creationId xmlns:p14="http://schemas.microsoft.com/office/powerpoint/2010/main" xmlns="" val="1999050465"/>
       </p:ext>
     </p:extLst>
   </p:cSld>
@@ -1817,6 +1833,7 @@
           <a:p>
             <a:fld id="{1573F1DA-1E21-45C8-BE71-2694A90120DC}" type="datetimeFigureOut">
               <a:rPr lang="en-US" smtClean="0"/>
+              <a:pPr/>
               <a:t>11/17/2015</a:t>
             </a:fld>
             <a:endParaRPr lang="en-US"/>
@@ -1859,6 +1876,7 @@
           <a:p>
             <a:fld id="{73ED6996-7245-409B-9562-B94B8F273996}" type="slidenum">
               <a:rPr lang="en-US" smtClean="0"/>
+              <a:pPr/>
               <a:t>‹#›</a:t>
             </a:fld>
             <a:endParaRPr lang="en-US"/>
@@ -1868,7 +1886,7 @@
     </p:spTree>
     <p:extLst>
       <p:ext uri="{BB962C8B-B14F-4D97-AF65-F5344CB8AC3E}">
-        <p14:creationId xmlns:p14="http://schemas.microsoft.com/office/powerpoint/2010/main" val="2223550567"/>
+        <p14:creationId xmlns:p14="http://schemas.microsoft.com/office/powerpoint/2010/main" xmlns="" val="2223550567"/>
       </p:ext>
     </p:extLst>
   </p:cSld>
@@ -2094,6 +2112,7 @@
           <a:p>
             <a:fld id="{1573F1DA-1E21-45C8-BE71-2694A90120DC}" type="datetimeFigureOut">
               <a:rPr lang="en-US" smtClean="0"/>
+              <a:pPr/>
               <a:t>11/17/2015</a:t>
             </a:fld>
             <a:endParaRPr lang="en-US"/>
@@ -2136,6 +2155,7 @@
           <a:p>
             <a:fld id="{73ED6996-7245-409B-9562-B94B8F273996}" type="slidenum">
               <a:rPr lang="en-US" smtClean="0"/>
+              <a:pPr/>
               <a:t>‹#›</a:t>
             </a:fld>
             <a:endParaRPr lang="en-US"/>
@@ -2145,7 +2165,7 @@
     </p:spTree>
     <p:extLst>
       <p:ext uri="{BB962C8B-B14F-4D97-AF65-F5344CB8AC3E}">
-        <p14:creationId xmlns:p14="http://schemas.microsoft.com/office/powerpoint/2010/main" val="2326102984"/>
+        <p14:creationId xmlns:p14="http://schemas.microsoft.com/office/powerpoint/2010/main" xmlns="" val="2326102984"/>
       </p:ext>
     </p:extLst>
   </p:cSld>
@@ -2347,6 +2367,7 @@
           <a:p>
             <a:fld id="{1573F1DA-1E21-45C8-BE71-2694A90120DC}" type="datetimeFigureOut">
               <a:rPr lang="en-US" smtClean="0"/>
+              <a:pPr/>
               <a:t>11/17/2015</a:t>
             </a:fld>
             <a:endParaRPr lang="en-US"/>
@@ -2389,6 +2410,7 @@
           <a:p>
             <a:fld id="{73ED6996-7245-409B-9562-B94B8F273996}" type="slidenum">
               <a:rPr lang="en-US" smtClean="0"/>
+              <a:pPr/>
               <a:t>‹#›</a:t>
             </a:fld>
             <a:endParaRPr lang="en-US"/>
@@ -2398,7 +2420,7 @@
     </p:spTree>
     <p:extLst>
       <p:ext uri="{BB962C8B-B14F-4D97-AF65-F5344CB8AC3E}">
-        <p14:creationId xmlns:p14="http://schemas.microsoft.com/office/powerpoint/2010/main" val="2090875419"/>
+        <p14:creationId xmlns:p14="http://schemas.microsoft.com/office/powerpoint/2010/main" xmlns="" val="2090875419"/>
       </p:ext>
     </p:extLst>
   </p:cSld>
@@ -2560,6 +2582,7 @@
           <a:p>
             <a:fld id="{1573F1DA-1E21-45C8-BE71-2694A90120DC}" type="datetimeFigureOut">
               <a:rPr lang="en-US" smtClean="0"/>
+              <a:pPr/>
               <a:t>11/17/2015</a:t>
             </a:fld>
             <a:endParaRPr lang="en-US"/>
@@ -2638,6 +2661,7 @@
           <a:p>
             <a:fld id="{73ED6996-7245-409B-9562-B94B8F273996}" type="slidenum">
               <a:rPr lang="en-US" smtClean="0"/>
+              <a:pPr/>
               <a:t>‹#›</a:t>
             </a:fld>
             <a:endParaRPr lang="en-US"/>
@@ -2647,7 +2671,7 @@
     </p:spTree>
     <p:extLst>
       <p:ext uri="{BB962C8B-B14F-4D97-AF65-F5344CB8AC3E}">
-        <p14:creationId xmlns:p14="http://schemas.microsoft.com/office/powerpoint/2010/main" val="4035082846"/>
+        <p14:creationId xmlns:p14="http://schemas.microsoft.com/office/powerpoint/2010/main" xmlns="" val="4035082846"/>
       </p:ext>
     </p:extLst>
   </p:cSld>
@@ -2994,7 +3018,11 @@
           <a:p>
             <a:r>
               <a:rPr lang="en-US" dirty="0" smtClean="0"/>
-              <a:t>	Due Friday Nov. 13</a:t>
+              <a:t>	Due Friday </a:t>
+            </a:r>
+            <a:r>
+              <a:rPr lang="en-US" dirty="0" smtClean="0"/>
+              <a:t>Dec. 4</a:t>
             </a:r>
           </a:p>
           <a:p>
@@ -3031,7 +3059,7 @@
     </p:spTree>
     <p:extLst>
       <p:ext uri="{BB962C8B-B14F-4D97-AF65-F5344CB8AC3E}">
-        <p14:creationId xmlns:p14="http://schemas.microsoft.com/office/powerpoint/2010/main" val="1266650063"/>
+        <p14:creationId xmlns:p14="http://schemas.microsoft.com/office/powerpoint/2010/main" xmlns="" val="1266650063"/>
       </p:ext>
     </p:extLst>
   </p:cSld>
@@ -3067,7 +3095,7 @@
         <p:spPr>
           <a:xfrm>
             <a:off x="807522" y="380010"/>
-            <a:ext cx="9860072" cy="4247317"/>
+            <a:ext cx="9860072" cy="4524315"/>
           </a:xfrm>
           <a:prstGeom prst="rect">
             <a:avLst/>
@@ -3167,8 +3195,19 @@
             </a:r>
             <a:r>
               <a:rPr lang="en-US" dirty="0" smtClean="0"/>
-              <a:t>), my implementation takes ~1.1-1.3 seconds</a:t>
-            </a:r>
+              <a:t>), my implementation takes ~1.1-1.3 </a:t>
+            </a:r>
+            <a:r>
+              <a:rPr lang="en-US" dirty="0" smtClean="0"/>
+              <a:t>seconds</a:t>
+            </a:r>
+          </a:p>
+          <a:p>
+            <a:r>
+              <a:rPr lang="en-US" dirty="0" smtClean="0"/>
+              <a:t>to align these two sequences.</a:t>
+            </a:r>
+            <a:endParaRPr lang="en-US" dirty="0" smtClean="0"/>
           </a:p>
           <a:p>
             <a:endParaRPr lang="en-US" dirty="0"/>
@@ -3191,7 +3230,7 @@
     </p:spTree>
     <p:extLst>
       <p:ext uri="{BB962C8B-B14F-4D97-AF65-F5344CB8AC3E}">
-        <p14:creationId xmlns:p14="http://schemas.microsoft.com/office/powerpoint/2010/main" val="3220542039"/>
+        <p14:creationId xmlns:p14="http://schemas.microsoft.com/office/powerpoint/2010/main" xmlns="" val="3220542039"/>
       </p:ext>
     </p:extLst>
   </p:cSld>
@@ -3244,7 +3283,7 @@
     </a:clrScheme>
     <a:fontScheme name="Office">
       <a:majorFont>
-        <a:latin typeface="Calibri Light" panose="020F0302020204030204"/>
+        <a:latin typeface="Calibri Light"/>
         <a:ea typeface=""/>
         <a:cs typeface=""/>
         <a:font script="Jpan" typeface="ＭＳ Ｐゴシック"/>
@@ -3279,7 +3318,7 @@
         <a:font script="Geor" typeface="Sylfaen"/>
       </a:majorFont>
       <a:minorFont>
-        <a:latin typeface="Calibri" panose="020F0502020204030204"/>
+        <a:latin typeface="Calibri"/>
         <a:ea typeface=""/>
         <a:cs typeface=""/>
         <a:font script="Jpan" typeface="ＭＳ Ｐゴシック"/>
@@ -3456,7 +3495,7 @@
   <a:extraClrSchemeLst/>
   <a:extLst>
     <a:ext uri="{05A4C25C-085E-4340-85A3-A5531E510DB2}">
-      <thm15:themeFamily xmlns:thm15="http://schemas.microsoft.com/office/thememl/2012/main" name="Office Theme" id="{62F939B6-93AF-4DB8-9C6B-D6C7DFDC589F}" vid="{4A3C46E8-61CC-4603-A589-7422A47A8E4A}"/>
+      <thm15:themeFamily xmlns:thm15="http://schemas.microsoft.com/office/thememl/2012/main" xmlns="" name="Office Theme" id="{62F939B6-93AF-4DB8-9C6B-D6C7DFDC589F}" vid="{4A3C46E8-61CC-4603-A589-7422A47A8E4A}"/>
     </a:ext>
   </a:extLst>
 </a:theme>
